--- a/structure.pptx
+++ b/structure.pptx
@@ -165,10 +165,9 @@
           </a:lstStyle>
           <a:p>
             <a:r>
-              <a:rPr lang="ru-RU" smtClean="0"/>
+              <a:rPr lang="ru-RU"/>
               <a:t>Образец заголовка</a:t>
             </a:r>
-            <a:endParaRPr lang="ru-RU"/>
           </a:p>
         </p:txBody>
       </p:sp>
@@ -230,10 +229,9 @@
           </a:lstStyle>
           <a:p>
             <a:r>
-              <a:rPr lang="ru-RU" smtClean="0"/>
+              <a:rPr lang="ru-RU"/>
               <a:t>Образец подзаголовка</a:t>
             </a:r>
-            <a:endParaRPr lang="ru-RU"/>
           </a:p>
         </p:txBody>
       </p:sp>
@@ -254,7 +252,7 @@
           <a:p>
             <a:fld id="{887919BD-3D97-45B7-AA65-95B65B01F186}" type="datetimeFigureOut">
               <a:rPr lang="ru-RU" smtClean="0"/>
-              <a:t>13.07.2023</a:t>
+              <a:t>14.07.2023</a:t>
             </a:fld>
             <a:endParaRPr lang="ru-RU"/>
           </a:p>
@@ -348,10 +346,9 @@
           <a:lstStyle/>
           <a:p>
             <a:r>
-              <a:rPr lang="ru-RU" smtClean="0"/>
+              <a:rPr lang="ru-RU"/>
               <a:t>Образец заголовка</a:t>
             </a:r>
-            <a:endParaRPr lang="ru-RU"/>
           </a:p>
         </p:txBody>
       </p:sp>
@@ -372,38 +369,37 @@
           <a:p>
             <a:pPr lvl="0"/>
             <a:r>
-              <a:rPr lang="ru-RU" smtClean="0"/>
+              <a:rPr lang="ru-RU"/>
               <a:t>Образец текста</a:t>
             </a:r>
           </a:p>
           <a:p>
             <a:pPr lvl="1"/>
             <a:r>
-              <a:rPr lang="ru-RU" smtClean="0"/>
+              <a:rPr lang="ru-RU"/>
               <a:t>Второй уровень</a:t>
             </a:r>
           </a:p>
           <a:p>
             <a:pPr lvl="2"/>
             <a:r>
-              <a:rPr lang="ru-RU" smtClean="0"/>
+              <a:rPr lang="ru-RU"/>
               <a:t>Третий уровень</a:t>
             </a:r>
           </a:p>
           <a:p>
             <a:pPr lvl="3"/>
             <a:r>
-              <a:rPr lang="ru-RU" smtClean="0"/>
+              <a:rPr lang="ru-RU"/>
               <a:t>Четвертый уровень</a:t>
             </a:r>
           </a:p>
           <a:p>
             <a:pPr lvl="4"/>
             <a:r>
-              <a:rPr lang="ru-RU" smtClean="0"/>
+              <a:rPr lang="ru-RU"/>
               <a:t>Пятый уровень</a:t>
             </a:r>
-            <a:endParaRPr lang="ru-RU"/>
           </a:p>
         </p:txBody>
       </p:sp>
@@ -424,7 +420,7 @@
           <a:p>
             <a:fld id="{887919BD-3D97-45B7-AA65-95B65B01F186}" type="datetimeFigureOut">
               <a:rPr lang="ru-RU" smtClean="0"/>
-              <a:t>13.07.2023</a:t>
+              <a:t>14.07.2023</a:t>
             </a:fld>
             <a:endParaRPr lang="ru-RU"/>
           </a:p>
@@ -523,10 +519,9 @@
           <a:lstStyle/>
           <a:p>
             <a:r>
-              <a:rPr lang="ru-RU" smtClean="0"/>
+              <a:rPr lang="ru-RU"/>
               <a:t>Образец заголовка</a:t>
             </a:r>
-            <a:endParaRPr lang="ru-RU"/>
           </a:p>
         </p:txBody>
       </p:sp>
@@ -552,38 +547,37 @@
           <a:p>
             <a:pPr lvl="0"/>
             <a:r>
-              <a:rPr lang="ru-RU" smtClean="0"/>
+              <a:rPr lang="ru-RU"/>
               <a:t>Образец текста</a:t>
             </a:r>
           </a:p>
           <a:p>
             <a:pPr lvl="1"/>
             <a:r>
-              <a:rPr lang="ru-RU" smtClean="0"/>
+              <a:rPr lang="ru-RU"/>
               <a:t>Второй уровень</a:t>
             </a:r>
           </a:p>
           <a:p>
             <a:pPr lvl="2"/>
             <a:r>
-              <a:rPr lang="ru-RU" smtClean="0"/>
+              <a:rPr lang="ru-RU"/>
               <a:t>Третий уровень</a:t>
             </a:r>
           </a:p>
           <a:p>
             <a:pPr lvl="3"/>
             <a:r>
-              <a:rPr lang="ru-RU" smtClean="0"/>
+              <a:rPr lang="ru-RU"/>
               <a:t>Четвертый уровень</a:t>
             </a:r>
           </a:p>
           <a:p>
             <a:pPr lvl="4"/>
             <a:r>
-              <a:rPr lang="ru-RU" smtClean="0"/>
+              <a:rPr lang="ru-RU"/>
               <a:t>Пятый уровень</a:t>
             </a:r>
-            <a:endParaRPr lang="ru-RU"/>
           </a:p>
         </p:txBody>
       </p:sp>
@@ -604,7 +598,7 @@
           <a:p>
             <a:fld id="{887919BD-3D97-45B7-AA65-95B65B01F186}" type="datetimeFigureOut">
               <a:rPr lang="ru-RU" smtClean="0"/>
-              <a:t>13.07.2023</a:t>
+              <a:t>14.07.2023</a:t>
             </a:fld>
             <a:endParaRPr lang="ru-RU"/>
           </a:p>
@@ -698,10 +692,9 @@
           <a:lstStyle/>
           <a:p>
             <a:r>
-              <a:rPr lang="ru-RU" smtClean="0"/>
+              <a:rPr lang="ru-RU"/>
               <a:t>Образец заголовка</a:t>
             </a:r>
-            <a:endParaRPr lang="ru-RU"/>
           </a:p>
         </p:txBody>
       </p:sp>
@@ -722,38 +715,37 @@
           <a:p>
             <a:pPr lvl="0"/>
             <a:r>
-              <a:rPr lang="ru-RU" smtClean="0"/>
+              <a:rPr lang="ru-RU"/>
               <a:t>Образец текста</a:t>
             </a:r>
           </a:p>
           <a:p>
             <a:pPr lvl="1"/>
             <a:r>
-              <a:rPr lang="ru-RU" smtClean="0"/>
+              <a:rPr lang="ru-RU"/>
               <a:t>Второй уровень</a:t>
             </a:r>
           </a:p>
           <a:p>
             <a:pPr lvl="2"/>
             <a:r>
-              <a:rPr lang="ru-RU" smtClean="0"/>
+              <a:rPr lang="ru-RU"/>
               <a:t>Третий уровень</a:t>
             </a:r>
           </a:p>
           <a:p>
             <a:pPr lvl="3"/>
             <a:r>
-              <a:rPr lang="ru-RU" smtClean="0"/>
+              <a:rPr lang="ru-RU"/>
               <a:t>Четвертый уровень</a:t>
             </a:r>
           </a:p>
           <a:p>
             <a:pPr lvl="4"/>
             <a:r>
-              <a:rPr lang="ru-RU" smtClean="0"/>
+              <a:rPr lang="ru-RU"/>
               <a:t>Пятый уровень</a:t>
             </a:r>
-            <a:endParaRPr lang="ru-RU"/>
           </a:p>
         </p:txBody>
       </p:sp>
@@ -774,7 +766,7 @@
           <a:p>
             <a:fld id="{887919BD-3D97-45B7-AA65-95B65B01F186}" type="datetimeFigureOut">
               <a:rPr lang="ru-RU" smtClean="0"/>
-              <a:t>13.07.2023</a:t>
+              <a:t>14.07.2023</a:t>
             </a:fld>
             <a:endParaRPr lang="ru-RU"/>
           </a:p>
@@ -877,10 +869,9 @@
           </a:lstStyle>
           <a:p>
             <a:r>
-              <a:rPr lang="ru-RU" smtClean="0"/>
+              <a:rPr lang="ru-RU"/>
               <a:t>Образец заголовка</a:t>
             </a:r>
-            <a:endParaRPr lang="ru-RU"/>
           </a:p>
         </p:txBody>
       </p:sp>
@@ -997,7 +988,7 @@
           <a:p>
             <a:pPr lvl="0"/>
             <a:r>
-              <a:rPr lang="ru-RU" smtClean="0"/>
+              <a:rPr lang="ru-RU"/>
               <a:t>Образец текста</a:t>
             </a:r>
           </a:p>
@@ -1020,7 +1011,7 @@
           <a:p>
             <a:fld id="{887919BD-3D97-45B7-AA65-95B65B01F186}" type="datetimeFigureOut">
               <a:rPr lang="ru-RU" smtClean="0"/>
-              <a:t>13.07.2023</a:t>
+              <a:t>14.07.2023</a:t>
             </a:fld>
             <a:endParaRPr lang="ru-RU"/>
           </a:p>
@@ -1114,10 +1105,9 @@
           <a:lstStyle/>
           <a:p>
             <a:r>
-              <a:rPr lang="ru-RU" smtClean="0"/>
+              <a:rPr lang="ru-RU"/>
               <a:t>Образец заголовка</a:t>
             </a:r>
-            <a:endParaRPr lang="ru-RU"/>
           </a:p>
         </p:txBody>
       </p:sp>
@@ -1143,38 +1133,37 @@
           <a:p>
             <a:pPr lvl="0"/>
             <a:r>
-              <a:rPr lang="ru-RU" smtClean="0"/>
+              <a:rPr lang="ru-RU"/>
               <a:t>Образец текста</a:t>
             </a:r>
           </a:p>
           <a:p>
             <a:pPr lvl="1"/>
             <a:r>
-              <a:rPr lang="ru-RU" smtClean="0"/>
+              <a:rPr lang="ru-RU"/>
               <a:t>Второй уровень</a:t>
             </a:r>
           </a:p>
           <a:p>
             <a:pPr lvl="2"/>
             <a:r>
-              <a:rPr lang="ru-RU" smtClean="0"/>
+              <a:rPr lang="ru-RU"/>
               <a:t>Третий уровень</a:t>
             </a:r>
           </a:p>
           <a:p>
             <a:pPr lvl="3"/>
             <a:r>
-              <a:rPr lang="ru-RU" smtClean="0"/>
+              <a:rPr lang="ru-RU"/>
               <a:t>Четвертый уровень</a:t>
             </a:r>
           </a:p>
           <a:p>
             <a:pPr lvl="4"/>
             <a:r>
-              <a:rPr lang="ru-RU" smtClean="0"/>
+              <a:rPr lang="ru-RU"/>
               <a:t>Пятый уровень</a:t>
             </a:r>
-            <a:endParaRPr lang="ru-RU"/>
           </a:p>
         </p:txBody>
       </p:sp>
@@ -1200,38 +1189,37 @@
           <a:p>
             <a:pPr lvl="0"/>
             <a:r>
-              <a:rPr lang="ru-RU" smtClean="0"/>
+              <a:rPr lang="ru-RU"/>
               <a:t>Образец текста</a:t>
             </a:r>
           </a:p>
           <a:p>
             <a:pPr lvl="1"/>
             <a:r>
-              <a:rPr lang="ru-RU" smtClean="0"/>
+              <a:rPr lang="ru-RU"/>
               <a:t>Второй уровень</a:t>
             </a:r>
           </a:p>
           <a:p>
             <a:pPr lvl="2"/>
             <a:r>
-              <a:rPr lang="ru-RU" smtClean="0"/>
+              <a:rPr lang="ru-RU"/>
               <a:t>Третий уровень</a:t>
             </a:r>
           </a:p>
           <a:p>
             <a:pPr lvl="3"/>
             <a:r>
-              <a:rPr lang="ru-RU" smtClean="0"/>
+              <a:rPr lang="ru-RU"/>
               <a:t>Четвертый уровень</a:t>
             </a:r>
           </a:p>
           <a:p>
             <a:pPr lvl="4"/>
             <a:r>
-              <a:rPr lang="ru-RU" smtClean="0"/>
+              <a:rPr lang="ru-RU"/>
               <a:t>Пятый уровень</a:t>
             </a:r>
-            <a:endParaRPr lang="ru-RU"/>
           </a:p>
         </p:txBody>
       </p:sp>
@@ -1252,7 +1240,7 @@
           <a:p>
             <a:fld id="{887919BD-3D97-45B7-AA65-95B65B01F186}" type="datetimeFigureOut">
               <a:rPr lang="ru-RU" smtClean="0"/>
-              <a:t>13.07.2023</a:t>
+              <a:t>14.07.2023</a:t>
             </a:fld>
             <a:endParaRPr lang="ru-RU"/>
           </a:p>
@@ -1351,10 +1339,9 @@
           <a:lstStyle/>
           <a:p>
             <a:r>
-              <a:rPr lang="ru-RU" smtClean="0"/>
+              <a:rPr lang="ru-RU"/>
               <a:t>Образец заголовка</a:t>
             </a:r>
-            <a:endParaRPr lang="ru-RU"/>
           </a:p>
         </p:txBody>
       </p:sp>
@@ -1417,7 +1404,7 @@
           <a:p>
             <a:pPr lvl="0"/>
             <a:r>
-              <a:rPr lang="ru-RU" smtClean="0"/>
+              <a:rPr lang="ru-RU"/>
               <a:t>Образец текста</a:t>
             </a:r>
           </a:p>
@@ -1445,38 +1432,37 @@
           <a:p>
             <a:pPr lvl="0"/>
             <a:r>
-              <a:rPr lang="ru-RU" smtClean="0"/>
+              <a:rPr lang="ru-RU"/>
               <a:t>Образец текста</a:t>
             </a:r>
           </a:p>
           <a:p>
             <a:pPr lvl="1"/>
             <a:r>
-              <a:rPr lang="ru-RU" smtClean="0"/>
+              <a:rPr lang="ru-RU"/>
               <a:t>Второй уровень</a:t>
             </a:r>
           </a:p>
           <a:p>
             <a:pPr lvl="2"/>
             <a:r>
-              <a:rPr lang="ru-RU" smtClean="0"/>
+              <a:rPr lang="ru-RU"/>
               <a:t>Третий уровень</a:t>
             </a:r>
           </a:p>
           <a:p>
             <a:pPr lvl="3"/>
             <a:r>
-              <a:rPr lang="ru-RU" smtClean="0"/>
+              <a:rPr lang="ru-RU"/>
               <a:t>Четвертый уровень</a:t>
             </a:r>
           </a:p>
           <a:p>
             <a:pPr lvl="4"/>
             <a:r>
-              <a:rPr lang="ru-RU" smtClean="0"/>
+              <a:rPr lang="ru-RU"/>
               <a:t>Пятый уровень</a:t>
             </a:r>
-            <a:endParaRPr lang="ru-RU"/>
           </a:p>
         </p:txBody>
       </p:sp>
@@ -1539,7 +1525,7 @@
           <a:p>
             <a:pPr lvl="0"/>
             <a:r>
-              <a:rPr lang="ru-RU" smtClean="0"/>
+              <a:rPr lang="ru-RU"/>
               <a:t>Образец текста</a:t>
             </a:r>
           </a:p>
@@ -1567,38 +1553,37 @@
           <a:p>
             <a:pPr lvl="0"/>
             <a:r>
-              <a:rPr lang="ru-RU" smtClean="0"/>
+              <a:rPr lang="ru-RU"/>
               <a:t>Образец текста</a:t>
             </a:r>
           </a:p>
           <a:p>
             <a:pPr lvl="1"/>
             <a:r>
-              <a:rPr lang="ru-RU" smtClean="0"/>
+              <a:rPr lang="ru-RU"/>
               <a:t>Второй уровень</a:t>
             </a:r>
           </a:p>
           <a:p>
             <a:pPr lvl="2"/>
             <a:r>
-              <a:rPr lang="ru-RU" smtClean="0"/>
+              <a:rPr lang="ru-RU"/>
               <a:t>Третий уровень</a:t>
             </a:r>
           </a:p>
           <a:p>
             <a:pPr lvl="3"/>
             <a:r>
-              <a:rPr lang="ru-RU" smtClean="0"/>
+              <a:rPr lang="ru-RU"/>
               <a:t>Четвертый уровень</a:t>
             </a:r>
           </a:p>
           <a:p>
             <a:pPr lvl="4"/>
             <a:r>
-              <a:rPr lang="ru-RU" smtClean="0"/>
+              <a:rPr lang="ru-RU"/>
               <a:t>Пятый уровень</a:t>
             </a:r>
-            <a:endParaRPr lang="ru-RU"/>
           </a:p>
         </p:txBody>
       </p:sp>
@@ -1619,7 +1604,7 @@
           <a:p>
             <a:fld id="{887919BD-3D97-45B7-AA65-95B65B01F186}" type="datetimeFigureOut">
               <a:rPr lang="ru-RU" smtClean="0"/>
-              <a:t>13.07.2023</a:t>
+              <a:t>14.07.2023</a:t>
             </a:fld>
             <a:endParaRPr lang="ru-RU"/>
           </a:p>
@@ -1713,10 +1698,9 @@
           <a:lstStyle/>
           <a:p>
             <a:r>
-              <a:rPr lang="ru-RU" smtClean="0"/>
+              <a:rPr lang="ru-RU"/>
               <a:t>Образец заголовка</a:t>
             </a:r>
-            <a:endParaRPr lang="ru-RU"/>
           </a:p>
         </p:txBody>
       </p:sp>
@@ -1737,7 +1721,7 @@
           <a:p>
             <a:fld id="{887919BD-3D97-45B7-AA65-95B65B01F186}" type="datetimeFigureOut">
               <a:rPr lang="ru-RU" smtClean="0"/>
-              <a:t>13.07.2023</a:t>
+              <a:t>14.07.2023</a:t>
             </a:fld>
             <a:endParaRPr lang="ru-RU"/>
           </a:p>
@@ -1832,7 +1816,7 @@
           <a:p>
             <a:fld id="{887919BD-3D97-45B7-AA65-95B65B01F186}" type="datetimeFigureOut">
               <a:rPr lang="ru-RU" smtClean="0"/>
-              <a:t>13.07.2023</a:t>
+              <a:t>14.07.2023</a:t>
             </a:fld>
             <a:endParaRPr lang="ru-RU"/>
           </a:p>
@@ -1935,10 +1919,9 @@
           </a:lstStyle>
           <a:p>
             <a:r>
-              <a:rPr lang="ru-RU" smtClean="0"/>
+              <a:rPr lang="ru-RU"/>
               <a:t>Образец заголовка</a:t>
             </a:r>
-            <a:endParaRPr lang="ru-RU"/>
           </a:p>
         </p:txBody>
       </p:sp>
@@ -1992,38 +1975,37 @@
           <a:p>
             <a:pPr lvl="0"/>
             <a:r>
-              <a:rPr lang="ru-RU" smtClean="0"/>
+              <a:rPr lang="ru-RU"/>
               <a:t>Образец текста</a:t>
             </a:r>
           </a:p>
           <a:p>
             <a:pPr lvl="1"/>
             <a:r>
-              <a:rPr lang="ru-RU" smtClean="0"/>
+              <a:rPr lang="ru-RU"/>
               <a:t>Второй уровень</a:t>
             </a:r>
           </a:p>
           <a:p>
             <a:pPr lvl="2"/>
             <a:r>
-              <a:rPr lang="ru-RU" smtClean="0"/>
+              <a:rPr lang="ru-RU"/>
               <a:t>Третий уровень</a:t>
             </a:r>
           </a:p>
           <a:p>
             <a:pPr lvl="3"/>
             <a:r>
-              <a:rPr lang="ru-RU" smtClean="0"/>
+              <a:rPr lang="ru-RU"/>
               <a:t>Четвертый уровень</a:t>
             </a:r>
           </a:p>
           <a:p>
             <a:pPr lvl="4"/>
             <a:r>
-              <a:rPr lang="ru-RU" smtClean="0"/>
+              <a:rPr lang="ru-RU"/>
               <a:t>Пятый уровень</a:t>
             </a:r>
-            <a:endParaRPr lang="ru-RU"/>
           </a:p>
         </p:txBody>
       </p:sp>
@@ -2086,7 +2068,7 @@
           <a:p>
             <a:pPr lvl="0"/>
             <a:r>
-              <a:rPr lang="ru-RU" smtClean="0"/>
+              <a:rPr lang="ru-RU"/>
               <a:t>Образец текста</a:t>
             </a:r>
           </a:p>
@@ -2109,7 +2091,7 @@
           <a:p>
             <a:fld id="{887919BD-3D97-45B7-AA65-95B65B01F186}" type="datetimeFigureOut">
               <a:rPr lang="ru-RU" smtClean="0"/>
-              <a:t>13.07.2023</a:t>
+              <a:t>14.07.2023</a:t>
             </a:fld>
             <a:endParaRPr lang="ru-RU"/>
           </a:p>
@@ -2212,10 +2194,9 @@
           </a:lstStyle>
           <a:p>
             <a:r>
-              <a:rPr lang="ru-RU" smtClean="0"/>
+              <a:rPr lang="ru-RU"/>
               <a:t>Образец заголовка</a:t>
             </a:r>
-            <a:endParaRPr lang="ru-RU"/>
           </a:p>
         </p:txBody>
       </p:sp>
@@ -2339,7 +2320,7 @@
           <a:p>
             <a:pPr lvl="0"/>
             <a:r>
-              <a:rPr lang="ru-RU" smtClean="0"/>
+              <a:rPr lang="ru-RU"/>
               <a:t>Образец текста</a:t>
             </a:r>
           </a:p>
@@ -2362,7 +2343,7 @@
           <a:p>
             <a:fld id="{887919BD-3D97-45B7-AA65-95B65B01F186}" type="datetimeFigureOut">
               <a:rPr lang="ru-RU" smtClean="0"/>
-              <a:t>13.07.2023</a:t>
+              <a:t>14.07.2023</a:t>
             </a:fld>
             <a:endParaRPr lang="ru-RU"/>
           </a:p>
@@ -2471,10 +2452,9 @@
           <a:lstStyle/>
           <a:p>
             <a:r>
-              <a:rPr lang="ru-RU" smtClean="0"/>
+              <a:rPr lang="ru-RU"/>
               <a:t>Образец заголовка</a:t>
             </a:r>
-            <a:endParaRPr lang="ru-RU"/>
           </a:p>
         </p:txBody>
       </p:sp>
@@ -2505,38 +2485,37 @@
           <a:p>
             <a:pPr lvl="0"/>
             <a:r>
-              <a:rPr lang="ru-RU" smtClean="0"/>
+              <a:rPr lang="ru-RU"/>
               <a:t>Образец текста</a:t>
             </a:r>
           </a:p>
           <a:p>
             <a:pPr lvl="1"/>
             <a:r>
-              <a:rPr lang="ru-RU" smtClean="0"/>
+              <a:rPr lang="ru-RU"/>
               <a:t>Второй уровень</a:t>
             </a:r>
           </a:p>
           <a:p>
             <a:pPr lvl="2"/>
             <a:r>
-              <a:rPr lang="ru-RU" smtClean="0"/>
+              <a:rPr lang="ru-RU"/>
               <a:t>Третий уровень</a:t>
             </a:r>
           </a:p>
           <a:p>
             <a:pPr lvl="3"/>
             <a:r>
-              <a:rPr lang="ru-RU" smtClean="0"/>
+              <a:rPr lang="ru-RU"/>
               <a:t>Четвертый уровень</a:t>
             </a:r>
           </a:p>
           <a:p>
             <a:pPr lvl="4"/>
             <a:r>
-              <a:rPr lang="ru-RU" smtClean="0"/>
+              <a:rPr lang="ru-RU"/>
               <a:t>Пятый уровень</a:t>
             </a:r>
-            <a:endParaRPr lang="ru-RU"/>
           </a:p>
         </p:txBody>
       </p:sp>
@@ -2575,7 +2554,7 @@
           <a:p>
             <a:fld id="{887919BD-3D97-45B7-AA65-95B65B01F186}" type="datetimeFigureOut">
               <a:rPr lang="ru-RU" smtClean="0"/>
-              <a:t>13.07.2023</a:t>
+              <a:t>14.07.2023</a:t>
             </a:fld>
             <a:endParaRPr lang="ru-RU"/>
           </a:p>
@@ -2966,6 +2945,42 @@
 <file path=ppt/slides/slide1.xml><?xml version="1.0" encoding="utf-8"?>
 <p:sld xmlns:a="http://schemas.openxmlformats.org/drawingml/2006/main" xmlns:r="http://schemas.openxmlformats.org/officeDocument/2006/relationships" xmlns:p="http://schemas.openxmlformats.org/presentationml/2006/main">
   <p:cSld>
+    <p:bg>
+      <p:bgPr>
+        <a:gradFill flip="none" rotWithShape="1">
+          <a:gsLst>
+            <a:gs pos="50000">
+              <a:srgbClr val="7030A0">
+                <a:lumMod val="60000"/>
+              </a:srgbClr>
+            </a:gs>
+            <a:gs pos="0">
+              <a:srgbClr val="002060">
+                <a:lumMod val="75000"/>
+              </a:srgbClr>
+            </a:gs>
+            <a:gs pos="75000">
+              <a:srgbClr val="0070C0">
+                <a:lumMod val="53000"/>
+              </a:srgbClr>
+            </a:gs>
+            <a:gs pos="25000">
+              <a:srgbClr val="002060"/>
+            </a:gs>
+            <a:gs pos="100000">
+              <a:srgbClr val="0070C0">
+                <a:lumMod val="30000"/>
+              </a:srgbClr>
+            </a:gs>
+          </a:gsLst>
+          <a:path path="circle">
+            <a:fillToRect l="100000" b="100000"/>
+          </a:path>
+          <a:tileRect t="-100000" r="-100000"/>
+        </a:gradFill>
+        <a:effectLst/>
+      </p:bgPr>
+    </p:bg>
     <p:spTree>
       <p:nvGrpSpPr>
         <p:cNvPr id="1" name=""/>
@@ -2994,6 +3009,11 @@
           <a:prstGeom prst="rect">
             <a:avLst/>
           </a:prstGeom>
+          <a:solidFill>
+            <a:schemeClr val="accent1">
+              <a:lumMod val="75000"/>
+            </a:schemeClr>
+          </a:solidFill>
         </p:spPr>
         <p:style>
           <a:lnRef idx="2">
@@ -3017,7 +3037,7 @@
           <a:p>
             <a:pPr algn="ctr"/>
             <a:r>
-              <a:rPr lang="en-US" sz="1400" dirty="0" err="1" smtClean="0"/>
+              <a:rPr lang="en-US" sz="1400" dirty="0" err="1"/>
               <a:t>UserController</a:t>
             </a:r>
             <a:endParaRPr lang="ru-RU" sz="1400" dirty="0"/>
@@ -3063,7 +3083,7 @@
           <a:lstStyle/>
           <a:p>
             <a:r>
-              <a:rPr lang="en-US" sz="1200" dirty="0" smtClean="0">
+              <a:rPr lang="en-US" sz="1200" dirty="0">
                 <a:solidFill>
                   <a:schemeClr val="accent2">
                     <a:lumMod val="75000"/>
@@ -3073,7 +3093,7 @@
               <a:t>@</a:t>
             </a:r>
             <a:r>
-              <a:rPr lang="en-US" sz="1200" dirty="0" err="1" smtClean="0">
+              <a:rPr lang="en-US" sz="1200" dirty="0" err="1">
                 <a:solidFill>
                   <a:schemeClr val="accent2">
                     <a:lumMod val="75000"/>
@@ -3082,7 +3102,7 @@
               </a:rPr>
               <a:t>Autowired</a:t>
             </a:r>
-            <a:endParaRPr lang="en-US" sz="1200" dirty="0" smtClean="0">
+            <a:endParaRPr lang="en-US" sz="1200" dirty="0">
               <a:solidFill>
                 <a:schemeClr val="accent2">
                   <a:lumMod val="75000"/>
@@ -3092,14 +3112,14 @@
           </a:p>
           <a:p>
             <a:r>
-              <a:rPr lang="en-US" sz="1200" dirty="0" err="1" smtClean="0">
+              <a:rPr lang="en-US" sz="1200" dirty="0" err="1">
                 <a:solidFill>
                   <a:schemeClr val="tx1"/>
                 </a:solidFill>
               </a:rPr>
               <a:t>UserService</a:t>
             </a:r>
-            <a:endParaRPr lang="en-US" sz="1200" dirty="0" smtClean="0">
+            <a:endParaRPr lang="en-US" sz="1200" dirty="0">
               <a:solidFill>
                 <a:schemeClr val="tx1"/>
               </a:solidFill>
@@ -3111,7 +3131,7 @@
               <a:buChar char="•"/>
             </a:pPr>
             <a:r>
-              <a:rPr lang="en-US" sz="1200" dirty="0" smtClean="0">
+              <a:rPr lang="en-US" sz="1200" dirty="0">
                 <a:solidFill>
                   <a:schemeClr val="tx1"/>
                 </a:solidFill>
@@ -3125,7 +3145,7 @@
               <a:buChar char="•"/>
             </a:pPr>
             <a:r>
-              <a:rPr lang="en-US" sz="1200" dirty="0" smtClean="0">
+              <a:rPr lang="en-US" sz="1200" dirty="0">
                 <a:solidFill>
                   <a:schemeClr val="tx1"/>
                 </a:solidFill>
@@ -3139,14 +3159,14 @@
               <a:buChar char="•"/>
             </a:pPr>
             <a:r>
-              <a:rPr lang="en-US" sz="1200" dirty="0" err="1" smtClean="0">
+              <a:rPr lang="en-US" sz="1200" dirty="0" err="1">
                 <a:solidFill>
                   <a:schemeClr val="tx1"/>
                 </a:solidFill>
               </a:rPr>
               <a:t>getAll</a:t>
             </a:r>
-            <a:endParaRPr lang="en-US" sz="1200" dirty="0" smtClean="0">
+            <a:endParaRPr lang="en-US" sz="1200" dirty="0">
               <a:solidFill>
                 <a:schemeClr val="tx1"/>
               </a:solidFill>
@@ -3168,6 +3188,11 @@
           <a:prstGeom prst="rect">
             <a:avLst/>
           </a:prstGeom>
+          <a:solidFill>
+            <a:schemeClr val="accent1">
+              <a:lumMod val="75000"/>
+            </a:schemeClr>
+          </a:solidFill>
         </p:spPr>
         <p:style>
           <a:lnRef idx="2">
@@ -3191,7 +3216,7 @@
           <a:p>
             <a:pPr algn="ctr"/>
             <a:r>
-              <a:rPr lang="en-US" sz="1400" dirty="0" err="1" smtClean="0"/>
+              <a:rPr lang="en-US" sz="1400" dirty="0" err="1"/>
               <a:t>UserService</a:t>
             </a:r>
             <a:endParaRPr lang="ru-RU" sz="1400" dirty="0"/>
@@ -3237,7 +3262,7 @@
           <a:lstStyle/>
           <a:p>
             <a:r>
-              <a:rPr lang="en-US" sz="1200" dirty="0" smtClean="0">
+              <a:rPr lang="en-US" sz="1200" dirty="0">
                 <a:solidFill>
                   <a:schemeClr val="accent2">
                     <a:lumMod val="75000"/>
@@ -3247,7 +3272,7 @@
               <a:t>@</a:t>
             </a:r>
             <a:r>
-              <a:rPr lang="en-US" sz="1200" dirty="0" err="1" smtClean="0">
+              <a:rPr lang="en-US" sz="1200" dirty="0" err="1">
                 <a:solidFill>
                   <a:schemeClr val="accent2">
                     <a:lumMod val="75000"/>
@@ -3256,7 +3281,7 @@
               </a:rPr>
               <a:t>Autowired</a:t>
             </a:r>
-            <a:endParaRPr lang="en-US" sz="1200" dirty="0" smtClean="0">
+            <a:endParaRPr lang="en-US" sz="1200" dirty="0">
               <a:solidFill>
                 <a:schemeClr val="tx1"/>
               </a:solidFill>
@@ -3264,14 +3289,14 @@
           </a:p>
           <a:p>
             <a:r>
-              <a:rPr lang="en-US" sz="1200" dirty="0" err="1" smtClean="0">
+              <a:rPr lang="en-US" sz="1200" dirty="0" err="1">
                 <a:solidFill>
                   <a:schemeClr val="tx1"/>
                 </a:solidFill>
               </a:rPr>
               <a:t>UserStorage</a:t>
             </a:r>
-            <a:endParaRPr lang="en-US" sz="1200" dirty="0" smtClean="0">
+            <a:endParaRPr lang="en-US" sz="1200" dirty="0">
               <a:solidFill>
                 <a:schemeClr val="tx1"/>
               </a:solidFill>
@@ -3283,14 +3308,14 @@
               <a:buChar char="•"/>
             </a:pPr>
             <a:r>
-              <a:rPr lang="en-US" sz="1200" dirty="0" err="1" smtClean="0">
+              <a:rPr lang="en-US" sz="1200" dirty="0" err="1">
                 <a:solidFill>
                   <a:schemeClr val="tx1"/>
                 </a:solidFill>
               </a:rPr>
               <a:t>addFriend</a:t>
             </a:r>
-            <a:endParaRPr lang="en-US" sz="1200" dirty="0" smtClean="0">
+            <a:endParaRPr lang="en-US" sz="1200" dirty="0">
               <a:solidFill>
                 <a:schemeClr val="tx1"/>
               </a:solidFill>
@@ -3302,14 +3327,14 @@
               <a:buChar char="•"/>
             </a:pPr>
             <a:r>
-              <a:rPr lang="en-US" sz="1200" dirty="0" err="1" smtClean="0">
+              <a:rPr lang="en-US" sz="1200" dirty="0" err="1">
                 <a:solidFill>
                   <a:schemeClr val="tx1"/>
                 </a:solidFill>
               </a:rPr>
               <a:t>removeFriend</a:t>
             </a:r>
-            <a:endParaRPr lang="en-US" sz="1200" dirty="0" smtClean="0">
+            <a:endParaRPr lang="en-US" sz="1200" dirty="0">
               <a:solidFill>
                 <a:schemeClr val="tx1"/>
               </a:solidFill>
@@ -3321,14 +3346,14 @@
               <a:buChar char="•"/>
             </a:pPr>
             <a:r>
-              <a:rPr lang="en-US" sz="1200" dirty="0" err="1" smtClean="0">
+              <a:rPr lang="en-US" sz="1200" dirty="0" err="1">
                 <a:solidFill>
                   <a:schemeClr val="tx1"/>
                 </a:solidFill>
               </a:rPr>
               <a:t>getFriends</a:t>
             </a:r>
-            <a:endParaRPr lang="en-US" sz="1200" dirty="0" smtClean="0">
+            <a:endParaRPr lang="en-US" sz="1200" dirty="0">
               <a:solidFill>
                 <a:schemeClr val="tx1"/>
               </a:solidFill>
@@ -3340,7 +3365,7 @@
               <a:buChar char="•"/>
             </a:pPr>
             <a:r>
-              <a:rPr lang="en-US" sz="1200" dirty="0" err="1" smtClean="0">
+              <a:rPr lang="en-US" sz="1200" dirty="0" err="1">
                 <a:solidFill>
                   <a:schemeClr val="tx1"/>
                 </a:solidFill>
@@ -3383,6 +3408,11 @@
             <a:prstGeom prst="rect">
               <a:avLst/>
             </a:prstGeom>
+            <a:solidFill>
+              <a:schemeClr val="accent1">
+                <a:lumMod val="75000"/>
+              </a:schemeClr>
+            </a:solidFill>
           </p:spPr>
           <p:style>
             <a:lnRef idx="2">
@@ -3406,7 +3436,7 @@
             <a:p>
               <a:pPr algn="ctr"/>
               <a:r>
-                <a:rPr lang="en-US" sz="1400" dirty="0" err="1" smtClean="0"/>
+                <a:rPr lang="en-US" sz="1400" dirty="0" err="1"/>
                 <a:t>InMemoryUserStorage</a:t>
               </a:r>
               <a:endParaRPr lang="ru-RU" sz="1400" dirty="0"/>
@@ -3452,7 +3482,7 @@
             <a:lstStyle/>
             <a:p>
               <a:r>
-                <a:rPr lang="en-US" sz="1200" dirty="0" smtClean="0">
+                <a:rPr lang="en-US" sz="1200" dirty="0">
                   <a:solidFill>
                     <a:schemeClr val="tx1"/>
                   </a:solidFill>
@@ -3466,14 +3496,14 @@
                 <a:buChar char="•"/>
               </a:pPr>
               <a:r>
-                <a:rPr lang="en-US" sz="1200" dirty="0" err="1" smtClean="0">
+                <a:rPr lang="en-US" sz="1200" dirty="0" err="1">
                   <a:solidFill>
                     <a:schemeClr val="tx1"/>
                   </a:solidFill>
                 </a:rPr>
                 <a:t>addUser</a:t>
               </a:r>
-              <a:endParaRPr lang="en-US" sz="1200" dirty="0" smtClean="0">
+              <a:endParaRPr lang="en-US" sz="1200" dirty="0">
                 <a:solidFill>
                   <a:schemeClr val="tx1"/>
                 </a:solidFill>
@@ -3485,14 +3515,14 @@
                 <a:buChar char="•"/>
               </a:pPr>
               <a:r>
-                <a:rPr lang="en-US" sz="1200" dirty="0" err="1" smtClean="0">
+                <a:rPr lang="en-US" sz="1200" dirty="0" err="1">
                   <a:solidFill>
                     <a:schemeClr val="tx1"/>
                   </a:solidFill>
                 </a:rPr>
                 <a:t>updateUser</a:t>
               </a:r>
-              <a:endParaRPr lang="en-US" sz="1200" dirty="0" smtClean="0">
+              <a:endParaRPr lang="en-US" sz="1200" dirty="0">
                 <a:solidFill>
                   <a:schemeClr val="tx1"/>
                 </a:solidFill>
@@ -3504,14 +3534,14 @@
                 <a:buChar char="•"/>
               </a:pPr>
               <a:r>
-                <a:rPr lang="en-US" sz="1200" dirty="0" err="1" smtClean="0">
+                <a:rPr lang="en-US" sz="1200" dirty="0" err="1">
                   <a:solidFill>
                     <a:schemeClr val="tx1"/>
                   </a:solidFill>
                 </a:rPr>
                 <a:t>getAllUsers</a:t>
               </a:r>
-              <a:endParaRPr lang="en-US" sz="1200" dirty="0" smtClean="0">
+              <a:endParaRPr lang="en-US" sz="1200" dirty="0">
                 <a:solidFill>
                   <a:schemeClr val="tx1"/>
                 </a:solidFill>
@@ -3523,14 +3553,14 @@
                 <a:buChar char="•"/>
               </a:pPr>
               <a:r>
-                <a:rPr lang="en-US" sz="1200" dirty="0" err="1" smtClean="0">
+                <a:rPr lang="en-US" sz="1200" dirty="0" err="1">
                   <a:solidFill>
                     <a:schemeClr val="tx1"/>
                   </a:solidFill>
                 </a:rPr>
                 <a:t>getStorage</a:t>
               </a:r>
-              <a:endParaRPr lang="en-US" sz="1200" dirty="0" smtClean="0">
+              <a:endParaRPr lang="en-US" sz="1200" dirty="0">
                 <a:solidFill>
                   <a:schemeClr val="tx1"/>
                 </a:solidFill>
@@ -3542,14 +3572,14 @@
                 <a:buChar char="•"/>
               </a:pPr>
               <a:r>
-                <a:rPr lang="en-US" sz="1200" dirty="0" err="1" smtClean="0">
+                <a:rPr lang="en-US" sz="1200" dirty="0" err="1">
                   <a:solidFill>
                     <a:schemeClr val="tx1"/>
                   </a:solidFill>
                 </a:rPr>
                 <a:t>getUserById</a:t>
               </a:r>
-              <a:endParaRPr lang="en-US" sz="1200" dirty="0" smtClean="0">
+              <a:endParaRPr lang="en-US" sz="1200" dirty="0">
                 <a:solidFill>
                   <a:schemeClr val="tx1"/>
                 </a:solidFill>
@@ -3561,14 +3591,14 @@
                 <a:buChar char="•"/>
               </a:pPr>
               <a:r>
-                <a:rPr lang="en-US" sz="1200" dirty="0" err="1" smtClean="0">
+                <a:rPr lang="en-US" sz="1200" dirty="0" err="1">
                   <a:solidFill>
                     <a:schemeClr val="tx1"/>
                   </a:solidFill>
                 </a:rPr>
                 <a:t>getEmails</a:t>
               </a:r>
-              <a:endParaRPr lang="en-US" sz="1200" dirty="0" smtClean="0">
+              <a:endParaRPr lang="en-US" sz="1200" dirty="0">
                 <a:solidFill>
                   <a:schemeClr val="tx1"/>
                 </a:solidFill>
@@ -3580,7 +3610,7 @@
                 <a:buChar char="•"/>
               </a:pPr>
               <a:r>
-                <a:rPr lang="en-US" sz="1200" dirty="0" err="1" smtClean="0">
+                <a:rPr lang="en-US" sz="1200" dirty="0" err="1">
                   <a:solidFill>
                     <a:schemeClr val="tx1"/>
                   </a:solidFill>
@@ -3624,6 +3654,11 @@
             <a:prstGeom prst="rect">
               <a:avLst/>
             </a:prstGeom>
+            <a:solidFill>
+              <a:schemeClr val="bg1">
+                <a:lumMod val="50000"/>
+              </a:schemeClr>
+            </a:solidFill>
           </p:spPr>
           <p:style>
             <a:lnRef idx="2">
@@ -3647,11 +3682,11 @@
             <a:p>
               <a:pPr algn="ctr"/>
               <a:r>
-                <a:rPr lang="en-US" sz="1400" dirty="0" smtClean="0"/>
+                <a:rPr lang="en-US" sz="1400" dirty="0"/>
                 <a:t>interface </a:t>
               </a:r>
               <a:r>
-                <a:rPr lang="en-US" sz="1400" dirty="0" err="1" smtClean="0"/>
+                <a:rPr lang="en-US" sz="1400" dirty="0" err="1"/>
                 <a:t>UserStorage</a:t>
               </a:r>
               <a:endParaRPr lang="ru-RU" sz="1400" dirty="0"/>
@@ -3696,14 +3731,14 @@
                 <a:buChar char="•"/>
               </a:pPr>
               <a:r>
-                <a:rPr lang="en-US" sz="1200" dirty="0" err="1" smtClean="0">
+                <a:rPr lang="en-US" sz="1200" dirty="0" err="1">
                   <a:solidFill>
                     <a:schemeClr val="tx1"/>
                   </a:solidFill>
                 </a:rPr>
                 <a:t>addUser</a:t>
               </a:r>
-              <a:endParaRPr lang="en-US" sz="1200" dirty="0" smtClean="0">
+              <a:endParaRPr lang="en-US" sz="1200" dirty="0">
                 <a:solidFill>
                   <a:schemeClr val="tx1"/>
                 </a:solidFill>
@@ -3715,14 +3750,14 @@
                 <a:buChar char="•"/>
               </a:pPr>
               <a:r>
-                <a:rPr lang="en-US" sz="1200" dirty="0" err="1" smtClean="0">
+                <a:rPr lang="en-US" sz="1200" dirty="0" err="1">
                   <a:solidFill>
                     <a:schemeClr val="tx1"/>
                   </a:solidFill>
                 </a:rPr>
                 <a:t>updateUser</a:t>
               </a:r>
-              <a:endParaRPr lang="en-US" sz="1200" dirty="0" smtClean="0">
+              <a:endParaRPr lang="en-US" sz="1200" dirty="0">
                 <a:solidFill>
                   <a:schemeClr val="tx1"/>
                 </a:solidFill>
@@ -3734,14 +3769,14 @@
                 <a:buChar char="•"/>
               </a:pPr>
               <a:r>
-                <a:rPr lang="en-US" sz="1200" dirty="0" err="1" smtClean="0">
+                <a:rPr lang="en-US" sz="1200" dirty="0" err="1">
                   <a:solidFill>
                     <a:schemeClr val="tx1"/>
                   </a:solidFill>
                 </a:rPr>
                 <a:t>getAllUsers</a:t>
               </a:r>
-              <a:endParaRPr lang="en-US" sz="1200" dirty="0" smtClean="0">
+              <a:endParaRPr lang="en-US" sz="1200" dirty="0">
                 <a:solidFill>
                   <a:schemeClr val="tx1"/>
                 </a:solidFill>
@@ -3753,14 +3788,14 @@
                 <a:buChar char="•"/>
               </a:pPr>
               <a:r>
-                <a:rPr lang="en-US" sz="1200" dirty="0" err="1" smtClean="0">
+                <a:rPr lang="en-US" sz="1200" dirty="0" err="1">
                   <a:solidFill>
                     <a:schemeClr val="tx1"/>
                   </a:solidFill>
                 </a:rPr>
                 <a:t>getStorage</a:t>
               </a:r>
-              <a:endParaRPr lang="en-US" sz="1200" dirty="0" smtClean="0">
+              <a:endParaRPr lang="en-US" sz="1200" dirty="0">
                 <a:solidFill>
                   <a:schemeClr val="tx1"/>
                 </a:solidFill>
@@ -3772,14 +3807,14 @@
                 <a:buChar char="•"/>
               </a:pPr>
               <a:r>
-                <a:rPr lang="en-US" sz="1200" dirty="0" err="1" smtClean="0">
+                <a:rPr lang="en-US" sz="1200" dirty="0" err="1">
                   <a:solidFill>
                     <a:schemeClr val="tx1"/>
                   </a:solidFill>
                 </a:rPr>
                 <a:t>getUserById</a:t>
               </a:r>
-              <a:endParaRPr lang="en-US" sz="1200" dirty="0" smtClean="0">
+              <a:endParaRPr lang="en-US" sz="1200" dirty="0">
                 <a:solidFill>
                   <a:schemeClr val="tx1"/>
                 </a:solidFill>
@@ -3791,14 +3826,14 @@
                 <a:buChar char="•"/>
               </a:pPr>
               <a:r>
-                <a:rPr lang="en-US" sz="1200" dirty="0" err="1" smtClean="0">
+                <a:rPr lang="en-US" sz="1200" dirty="0" err="1">
                   <a:solidFill>
                     <a:schemeClr val="tx1"/>
                   </a:solidFill>
                 </a:rPr>
                 <a:t>getEmails</a:t>
               </a:r>
-              <a:endParaRPr lang="en-US" sz="1200" dirty="0" smtClean="0">
+              <a:endParaRPr lang="en-US" sz="1200" dirty="0">
                 <a:solidFill>
                   <a:schemeClr val="tx1"/>
                 </a:solidFill>
@@ -3810,7 +3845,7 @@
                 <a:buChar char="•"/>
               </a:pPr>
               <a:r>
-                <a:rPr lang="en-US" sz="1200" dirty="0" err="1" smtClean="0">
+                <a:rPr lang="en-US" sz="1200" dirty="0" err="1">
                   <a:solidFill>
                     <a:schemeClr val="tx1"/>
                   </a:solidFill>
@@ -3834,7 +3869,7 @@
         </p:nvGrpSpPr>
         <p:grpSpPr>
           <a:xfrm>
-            <a:off x="9556954" y="2258415"/>
+            <a:off x="9556954" y="2739786"/>
             <a:ext cx="2389239" cy="985958"/>
             <a:chOff x="5747227" y="872067"/>
             <a:chExt cx="1549400" cy="985958"/>
@@ -3854,6 +3889,11 @@
             <a:prstGeom prst="rect">
               <a:avLst/>
             </a:prstGeom>
+            <a:solidFill>
+              <a:schemeClr val="bg1">
+                <a:lumMod val="50000"/>
+              </a:schemeClr>
+            </a:solidFill>
           </p:spPr>
           <p:style>
             <a:lnRef idx="2">
@@ -3877,15 +3917,15 @@
             <a:p>
               <a:pPr algn="ctr"/>
               <a:r>
-                <a:rPr lang="en-US" sz="1400" dirty="0" smtClean="0"/>
+                <a:rPr lang="en-US" sz="1400" dirty="0"/>
                 <a:t>abstract </a:t>
               </a:r>
               <a:r>
-                <a:rPr lang="en-US" sz="1400" dirty="0" err="1" smtClean="0"/>
+                <a:rPr lang="en-US" sz="1400" dirty="0" err="1"/>
                 <a:t>InMemoryStorage</a:t>
               </a:r>
               <a:r>
-                <a:rPr lang="en-US" sz="1400" dirty="0" smtClean="0"/>
+                <a:rPr lang="en-US" sz="1400" dirty="0"/>
                 <a:t>&lt;T&gt;</a:t>
               </a:r>
               <a:endParaRPr lang="ru-RU" sz="1400" dirty="0"/>
@@ -3926,7 +3966,7 @@
             <a:lstStyle/>
             <a:p>
               <a:r>
-                <a:rPr lang="en-US" sz="1200" dirty="0" smtClean="0">
+                <a:rPr lang="en-US" sz="1200" dirty="0">
                   <a:solidFill>
                     <a:schemeClr val="tx1"/>
                   </a:solidFill>
@@ -3936,7 +3976,7 @@
             </a:p>
             <a:p>
               <a:r>
-                <a:rPr lang="en-US" sz="1200" dirty="0" smtClean="0">
+                <a:rPr lang="en-US" sz="1200" dirty="0">
                   <a:solidFill>
                     <a:schemeClr val="tx1"/>
                   </a:solidFill>
@@ -3950,14 +3990,14 @@
                 <a:buChar char="•"/>
               </a:pPr>
               <a:r>
-                <a:rPr lang="en-US" sz="1200" dirty="0" err="1" smtClean="0">
+                <a:rPr lang="en-US" sz="1200" dirty="0" err="1">
                   <a:solidFill>
                     <a:schemeClr val="tx1"/>
                   </a:solidFill>
                 </a:rPr>
                 <a:t>getIdentified</a:t>
               </a:r>
-              <a:endParaRPr lang="en-US" sz="1200" dirty="0" smtClean="0">
+              <a:endParaRPr lang="en-US" sz="1200" dirty="0">
                 <a:solidFill>
                   <a:schemeClr val="tx1"/>
                 </a:solidFill>
@@ -3970,21 +4010,23 @@
         <p:nvCxnSpPr>
           <p:cNvPr id="21" name="Соединительная линия уступом 20"/>
           <p:cNvCxnSpPr>
-            <a:stCxn id="15" idx="1"/>
-            <a:endCxn id="11" idx="3"/>
+            <a:cxnSpLocks/>
           </p:cNvCxnSpPr>
           <p:nvPr/>
         </p:nvCxnSpPr>
         <p:spPr>
           <a:xfrm rot="10800000" flipV="1">
-            <a:off x="7649497" y="348909"/>
-            <a:ext cx="1907458" cy="688258"/>
+            <a:off x="7649497" y="352927"/>
+            <a:ext cx="1907458" cy="623070"/>
           </a:xfrm>
           <a:prstGeom prst="bentConnector3">
             <a:avLst/>
           </a:prstGeom>
-          <a:ln>
-            <a:tailEnd type="triangle"/>
+          <a:ln w="12700">
+            <a:solidFill>
+              <a:schemeClr val="bg1"/>
+            </a:solidFill>
+            <a:tailEnd type="stealth" w="lg" len="lg"/>
           </a:ln>
         </p:spPr>
         <p:style>
@@ -4006,21 +4048,23 @@
         <p:nvCxnSpPr>
           <p:cNvPr id="22" name="Соединительная линия уступом 21"/>
           <p:cNvCxnSpPr>
-            <a:stCxn id="18" idx="1"/>
-            <a:endCxn id="11" idx="3"/>
+            <a:cxnSpLocks/>
           </p:cNvCxnSpPr>
           <p:nvPr/>
         </p:nvCxnSpPr>
         <p:spPr>
           <a:xfrm rot="10800000">
-            <a:off x="7649498" y="1037167"/>
-            <a:ext cx="1907457" cy="1386348"/>
+            <a:off x="7649496" y="1101033"/>
+            <a:ext cx="1907458" cy="1809023"/>
           </a:xfrm>
           <a:prstGeom prst="bentConnector3">
             <a:avLst/>
           </a:prstGeom>
-          <a:ln>
-            <a:tailEnd type="triangle"/>
+          <a:ln w="12700">
+            <a:solidFill>
+              <a:schemeClr val="bg1"/>
+            </a:solidFill>
+            <a:tailEnd type="stealth" w="lg" len="lg"/>
           </a:ln>
         </p:spPr>
         <p:style>
@@ -4055,8 +4099,11 @@
           <a:prstGeom prst="straightConnector1">
             <a:avLst/>
           </a:prstGeom>
-          <a:ln>
-            <a:tailEnd type="triangle"/>
+          <a:ln w="12700">
+            <a:solidFill>
+              <a:schemeClr val="bg1"/>
+            </a:solidFill>
+            <a:tailEnd type="stealth" w="lg" len="lg"/>
           </a:ln>
         </p:spPr>
         <p:style>
@@ -4078,6 +4125,7 @@
         <p:nvCxnSpPr>
           <p:cNvPr id="33" name="Прямая со стрелкой 32"/>
           <p:cNvCxnSpPr>
+            <a:cxnSpLocks/>
             <a:stCxn id="7" idx="1"/>
             <a:endCxn id="5" idx="3"/>
           </p:cNvCxnSpPr>
@@ -4091,8 +4139,11 @@
           <a:prstGeom prst="straightConnector1">
             <a:avLst/>
           </a:prstGeom>
-          <a:ln>
-            <a:tailEnd type="triangle"/>
+          <a:ln w="12700">
+            <a:solidFill>
+              <a:schemeClr val="bg1"/>
+            </a:solidFill>
+            <a:tailEnd type="stealth" w="lg" len="lg"/>
           </a:ln>
         </p:spPr>
         <p:style>
@@ -4133,20 +4184,16 @@
           <a:lstStyle/>
           <a:p>
             <a:r>
-              <a:rPr lang="en-US" sz="1200" dirty="0" smtClean="0">
-                <a:solidFill>
-                  <a:schemeClr val="accent2">
-                    <a:lumMod val="75000"/>
-                  </a:schemeClr>
+              <a:rPr lang="en-US" sz="1200" dirty="0">
+                <a:solidFill>
+                  <a:schemeClr val="accent2"/>
                 </a:solidFill>
               </a:rPr>
               <a:t>@Component</a:t>
             </a:r>
             <a:endParaRPr lang="ru-RU" sz="1200" dirty="0">
               <a:solidFill>
-                <a:schemeClr val="accent2">
-                  <a:lumMod val="75000"/>
-                </a:schemeClr>
+                <a:schemeClr val="accent2"/>
               </a:solidFill>
             </a:endParaRPr>
           </a:p>
@@ -4175,20 +4222,16 @@
           <a:lstStyle/>
           <a:p>
             <a:r>
-              <a:rPr lang="en-US" sz="1200" dirty="0" smtClean="0">
-                <a:solidFill>
-                  <a:schemeClr val="accent2">
-                    <a:lumMod val="75000"/>
-                  </a:schemeClr>
+              <a:rPr lang="en-US" sz="1200" dirty="0">
+                <a:solidFill>
+                  <a:schemeClr val="accent2"/>
                 </a:solidFill>
               </a:rPr>
               <a:t>@Service</a:t>
             </a:r>
             <a:endParaRPr lang="ru-RU" sz="1200" dirty="0">
               <a:solidFill>
-                <a:schemeClr val="accent2">
-                  <a:lumMod val="75000"/>
-                </a:schemeClr>
+                <a:schemeClr val="accent2"/>
               </a:solidFill>
             </a:endParaRPr>
           </a:p>
@@ -4217,30 +4260,24 @@
           <a:lstStyle/>
           <a:p>
             <a:r>
-              <a:rPr lang="en-US" sz="1200" dirty="0" smtClean="0">
-                <a:solidFill>
-                  <a:schemeClr val="accent2">
-                    <a:lumMod val="75000"/>
-                  </a:schemeClr>
+              <a:rPr lang="en-US" sz="1200" dirty="0">
+                <a:solidFill>
+                  <a:schemeClr val="accent2"/>
                 </a:solidFill>
               </a:rPr>
               <a:t>@</a:t>
             </a:r>
             <a:r>
-              <a:rPr lang="en-US" sz="1200" dirty="0" err="1" smtClean="0">
-                <a:solidFill>
-                  <a:schemeClr val="accent2">
-                    <a:lumMod val="75000"/>
-                  </a:schemeClr>
+              <a:rPr lang="en-US" sz="1200" dirty="0" err="1">
+                <a:solidFill>
+                  <a:schemeClr val="accent2"/>
                 </a:solidFill>
               </a:rPr>
               <a:t>RestController</a:t>
             </a:r>
             <a:endParaRPr lang="ru-RU" sz="1200" dirty="0">
               <a:solidFill>
-                <a:schemeClr val="accent2">
-                  <a:lumMod val="75000"/>
-                </a:schemeClr>
+                <a:schemeClr val="accent2"/>
               </a:solidFill>
             </a:endParaRPr>
           </a:p>
@@ -4260,6 +4297,11 @@
           <a:prstGeom prst="rect">
             <a:avLst/>
           </a:prstGeom>
+          <a:solidFill>
+            <a:schemeClr val="accent1">
+              <a:lumMod val="75000"/>
+            </a:schemeClr>
+          </a:solidFill>
         </p:spPr>
         <p:style>
           <a:lnRef idx="2">
@@ -4283,7 +4325,7 @@
           <a:p>
             <a:pPr algn="ctr"/>
             <a:r>
-              <a:rPr lang="en-US" sz="1400" dirty="0" err="1" smtClean="0"/>
+              <a:rPr lang="en-US" sz="1400" dirty="0" err="1"/>
               <a:t>FilmController</a:t>
             </a:r>
             <a:endParaRPr lang="ru-RU" sz="1400" dirty="0"/>
@@ -4329,7 +4371,7 @@
           <a:lstStyle/>
           <a:p>
             <a:r>
-              <a:rPr lang="en-US" sz="1200" dirty="0" smtClean="0">
+              <a:rPr lang="en-US" sz="1200" dirty="0">
                 <a:solidFill>
                   <a:schemeClr val="accent2">
                     <a:lumMod val="75000"/>
@@ -4339,7 +4381,7 @@
               <a:t>@</a:t>
             </a:r>
             <a:r>
-              <a:rPr lang="en-US" sz="1200" dirty="0" err="1" smtClean="0">
+              <a:rPr lang="en-US" sz="1200" dirty="0" err="1">
                 <a:solidFill>
                   <a:schemeClr val="accent2">
                     <a:lumMod val="75000"/>
@@ -4348,7 +4390,7 @@
               </a:rPr>
               <a:t>Autowired</a:t>
             </a:r>
-            <a:endParaRPr lang="en-US" sz="1200" dirty="0" smtClean="0">
+            <a:endParaRPr lang="en-US" sz="1200" dirty="0">
               <a:solidFill>
                 <a:schemeClr val="accent2">
                   <a:lumMod val="75000"/>
@@ -4358,14 +4400,14 @@
           </a:p>
           <a:p>
             <a:r>
-              <a:rPr lang="en-US" sz="1200" dirty="0" err="1" smtClean="0">
+              <a:rPr lang="en-US" sz="1200" dirty="0" err="1">
                 <a:solidFill>
                   <a:schemeClr val="tx1"/>
                 </a:solidFill>
               </a:rPr>
               <a:t>FilmService</a:t>
             </a:r>
-            <a:endParaRPr lang="en-US" sz="1200" dirty="0" smtClean="0">
+            <a:endParaRPr lang="en-US" sz="1200" dirty="0">
               <a:solidFill>
                 <a:schemeClr val="tx1"/>
               </a:solidFill>
@@ -4377,7 +4419,7 @@
               <a:buChar char="•"/>
             </a:pPr>
             <a:r>
-              <a:rPr lang="en-US" sz="1200" dirty="0" smtClean="0">
+              <a:rPr lang="en-US" sz="1200" dirty="0">
                 <a:solidFill>
                   <a:schemeClr val="tx1"/>
                 </a:solidFill>
@@ -4391,7 +4433,7 @@
               <a:buChar char="•"/>
             </a:pPr>
             <a:r>
-              <a:rPr lang="en-US" sz="1200" dirty="0" smtClean="0">
+              <a:rPr lang="en-US" sz="1200" dirty="0">
                 <a:solidFill>
                   <a:schemeClr val="tx1"/>
                 </a:solidFill>
@@ -4405,14 +4447,14 @@
               <a:buChar char="•"/>
             </a:pPr>
             <a:r>
-              <a:rPr lang="en-US" sz="1200" dirty="0" err="1" smtClean="0">
+              <a:rPr lang="en-US" sz="1200" dirty="0" err="1">
                 <a:solidFill>
                   <a:schemeClr val="tx1"/>
                 </a:solidFill>
               </a:rPr>
               <a:t>getAll</a:t>
             </a:r>
-            <a:endParaRPr lang="en-US" sz="1200" dirty="0" smtClean="0">
+            <a:endParaRPr lang="en-US" sz="1200" dirty="0">
               <a:solidFill>
                 <a:schemeClr val="tx1"/>
               </a:solidFill>
@@ -4434,6 +4476,11 @@
           <a:prstGeom prst="rect">
             <a:avLst/>
           </a:prstGeom>
+          <a:solidFill>
+            <a:schemeClr val="accent1">
+              <a:lumMod val="75000"/>
+            </a:schemeClr>
+          </a:solidFill>
         </p:spPr>
         <p:style>
           <a:lnRef idx="2">
@@ -4457,7 +4504,7 @@
           <a:p>
             <a:pPr algn="ctr"/>
             <a:r>
-              <a:rPr lang="en-US" sz="1400" dirty="0" err="1" smtClean="0"/>
+              <a:rPr lang="en-US" sz="1400" dirty="0" err="1"/>
               <a:t>FilmService</a:t>
             </a:r>
             <a:endParaRPr lang="ru-RU" sz="1400" dirty="0"/>
@@ -4503,22 +4550,43 @@
           <a:lstStyle/>
           <a:p>
             <a:r>
-              <a:rPr lang="en-US" sz="1200" dirty="0" smtClean="0">
-                <a:solidFill>
-                  <a:schemeClr val="tx1"/>
+              <a:rPr lang="en-US" sz="1200" dirty="0">
+                <a:solidFill>
+                  <a:schemeClr val="accent2">
+                    <a:lumMod val="75000"/>
+                  </a:schemeClr>
                 </a:solidFill>
               </a:rPr>
               <a:t>@</a:t>
             </a:r>
             <a:r>
-              <a:rPr lang="en-US" sz="1200" dirty="0" err="1" smtClean="0">
-                <a:solidFill>
-                  <a:schemeClr val="tx1"/>
+              <a:rPr lang="en-US" sz="1200" dirty="0" err="1">
+                <a:solidFill>
+                  <a:schemeClr val="accent2">
+                    <a:lumMod val="75000"/>
+                  </a:schemeClr>
                 </a:solidFill>
               </a:rPr>
               <a:t>Autowired</a:t>
             </a:r>
-            <a:endParaRPr lang="en-US" sz="1200" dirty="0" smtClean="0">
+            <a:endParaRPr lang="en-US" sz="1200" dirty="0">
+              <a:solidFill>
+                <a:schemeClr val="accent2">
+                  <a:lumMod val="75000"/>
+                </a:schemeClr>
+              </a:solidFill>
+            </a:endParaRPr>
+          </a:p>
+          <a:p>
+            <a:r>
+              <a:rPr lang="en-US" sz="1200" dirty="0" err="1">
+                <a:solidFill>
+                  <a:schemeClr val="tx1"/>
+                </a:solidFill>
+              </a:rPr>
+              <a:t>FilmStorage</a:t>
+            </a:r>
+            <a:endParaRPr lang="en-US" sz="1200" dirty="0">
               <a:solidFill>
                 <a:schemeClr val="tx1"/>
               </a:solidFill>
@@ -4526,14 +4594,14 @@
           </a:p>
           <a:p>
             <a:r>
-              <a:rPr lang="en-US" sz="1200" dirty="0" err="1" smtClean="0">
+              <a:rPr lang="en-US" sz="1200" dirty="0" err="1">
                 <a:solidFill>
                   <a:schemeClr val="tx1"/>
                 </a:solidFill>
               </a:rPr>
-              <a:t>FilmStorage</a:t>
-            </a:r>
-            <a:endParaRPr lang="en-US" sz="1200" dirty="0" smtClean="0">
+              <a:t>UserStorage</a:t>
+            </a:r>
+            <a:endParaRPr lang="en-US" sz="1200" dirty="0">
               <a:solidFill>
                 <a:schemeClr val="tx1"/>
               </a:solidFill>
@@ -4545,14 +4613,14 @@
               <a:buChar char="•"/>
             </a:pPr>
             <a:r>
-              <a:rPr lang="en-US" sz="1200" dirty="0" err="1" smtClean="0">
+              <a:rPr lang="en-US" sz="1200" dirty="0" err="1">
                 <a:solidFill>
                   <a:schemeClr val="tx1"/>
                 </a:solidFill>
               </a:rPr>
               <a:t>addLike</a:t>
             </a:r>
-            <a:endParaRPr lang="en-US" sz="1200" dirty="0" smtClean="0">
+            <a:endParaRPr lang="en-US" sz="1200" dirty="0">
               <a:solidFill>
                 <a:schemeClr val="tx1"/>
               </a:solidFill>
@@ -4564,14 +4632,14 @@
               <a:buChar char="•"/>
             </a:pPr>
             <a:r>
-              <a:rPr lang="en-US" sz="1200" dirty="0" err="1" smtClean="0">
+              <a:rPr lang="en-US" sz="1200" dirty="0" err="1">
                 <a:solidFill>
                   <a:schemeClr val="tx1"/>
                 </a:solidFill>
               </a:rPr>
               <a:t>removeLike</a:t>
             </a:r>
-            <a:endParaRPr lang="en-US" sz="1200" dirty="0" smtClean="0">
+            <a:endParaRPr lang="en-US" sz="1200" dirty="0">
               <a:solidFill>
                 <a:schemeClr val="tx1"/>
               </a:solidFill>
@@ -4583,12 +4651,12 @@
               <a:buChar char="•"/>
             </a:pPr>
             <a:r>
-              <a:rPr lang="en-US" sz="1200" dirty="0" smtClean="0">
+              <a:rPr lang="en-US" sz="1200" dirty="0" err="1">
                 <a:solidFill>
                   <a:schemeClr val="tx1"/>
                 </a:solidFill>
               </a:rPr>
-              <a:t>get10MostPopular</a:t>
+              <a:t>getMostPopular</a:t>
             </a:r>
             <a:endParaRPr lang="ru-RU" sz="1200" dirty="0">
               <a:solidFill>
@@ -4607,9 +4675,9 @@
         <p:grpSpPr>
           <a:xfrm>
             <a:off x="5747227" y="4224867"/>
-            <a:ext cx="1902270" cy="1551447"/>
+            <a:ext cx="1902270" cy="1595963"/>
             <a:chOff x="5747227" y="872067"/>
-            <a:chExt cx="1549400" cy="1551447"/>
+            <a:chExt cx="1549400" cy="1595963"/>
           </a:xfrm>
         </p:grpSpPr>
         <p:sp>
@@ -4626,6 +4694,11 @@
             <a:prstGeom prst="rect">
               <a:avLst/>
             </a:prstGeom>
+            <a:solidFill>
+              <a:schemeClr val="accent1">
+                <a:lumMod val="75000"/>
+              </a:schemeClr>
+            </a:solidFill>
           </p:spPr>
           <p:style>
             <a:lnRef idx="2">
@@ -4649,7 +4722,7 @@
             <a:p>
               <a:pPr algn="ctr"/>
               <a:r>
-                <a:rPr lang="en-US" sz="1400" dirty="0" err="1" smtClean="0"/>
+                <a:rPr lang="en-US" sz="1400" dirty="0" err="1"/>
                 <a:t>InMemoryFilmStorage</a:t>
               </a:r>
               <a:endParaRPr lang="ru-RU" sz="1400" dirty="0"/>
@@ -4664,8 +4737,8 @@
           </p:nvSpPr>
           <p:spPr>
             <a:xfrm>
-              <a:off x="5747227" y="1202268"/>
-              <a:ext cx="1549400" cy="1221246"/>
+              <a:off x="5747227" y="1202267"/>
+              <a:ext cx="1549400" cy="1265763"/>
             </a:xfrm>
             <a:prstGeom prst="rect">
               <a:avLst/>
@@ -4695,7 +4768,7 @@
             <a:lstStyle/>
             <a:p>
               <a:r>
-                <a:rPr lang="en-US" sz="1200" dirty="0" err="1" smtClean="0">
+                <a:rPr lang="en-US" sz="1200" dirty="0" err="1">
                   <a:solidFill>
                     <a:schemeClr val="tx1"/>
                   </a:solidFill>
@@ -4703,7 +4776,7 @@
                 <a:t>TreeSet</a:t>
               </a:r>
               <a:r>
-                <a:rPr lang="en-US" sz="1200" dirty="0" smtClean="0">
+                <a:rPr lang="en-US" sz="1200" dirty="0">
                   <a:solidFill>
                     <a:schemeClr val="tx1"/>
                   </a:solidFill>
@@ -4711,14 +4784,14 @@
                 <a:t>&lt;Film&gt; </a:t>
               </a:r>
               <a:r>
-                <a:rPr lang="en-US" sz="1200" dirty="0" err="1" smtClean="0">
+                <a:rPr lang="en-US" sz="1200" dirty="0" err="1">
                   <a:solidFill>
                     <a:schemeClr val="tx1"/>
                   </a:solidFill>
                 </a:rPr>
                 <a:t>filmsChart</a:t>
               </a:r>
-              <a:endParaRPr lang="en-US" sz="1200" dirty="0" smtClean="0">
+              <a:endParaRPr lang="en-US" sz="1200" dirty="0">
                 <a:solidFill>
                   <a:schemeClr val="tx1"/>
                 </a:solidFill>
@@ -4730,14 +4803,14 @@
                 <a:buChar char="•"/>
               </a:pPr>
               <a:r>
-                <a:rPr lang="en-US" sz="1200" dirty="0" err="1" smtClean="0">
+                <a:rPr lang="en-US" sz="1200" dirty="0" err="1">
                   <a:solidFill>
                     <a:schemeClr val="tx1"/>
                   </a:solidFill>
                 </a:rPr>
                 <a:t>addFilm</a:t>
               </a:r>
-              <a:endParaRPr lang="en-US" sz="1200" dirty="0" smtClean="0">
+              <a:endParaRPr lang="en-US" sz="1200" dirty="0">
                 <a:solidFill>
                   <a:schemeClr val="tx1"/>
                 </a:solidFill>
@@ -4749,14 +4822,14 @@
                 <a:buChar char="•"/>
               </a:pPr>
               <a:r>
-                <a:rPr lang="en-US" sz="1200" dirty="0" err="1" smtClean="0">
+                <a:rPr lang="en-US" sz="1200" dirty="0" err="1">
                   <a:solidFill>
                     <a:schemeClr val="tx1"/>
                   </a:solidFill>
                 </a:rPr>
                 <a:t>updateFilm</a:t>
               </a:r>
-              <a:endParaRPr lang="en-US" sz="1200" dirty="0" smtClean="0">
+              <a:endParaRPr lang="en-US" sz="1200" dirty="0">
                 <a:solidFill>
                   <a:schemeClr val="tx1"/>
                 </a:solidFill>
@@ -4768,14 +4841,14 @@
                 <a:buChar char="•"/>
               </a:pPr>
               <a:r>
-                <a:rPr lang="en-US" sz="1200" dirty="0" err="1" smtClean="0">
+                <a:rPr lang="en-US" sz="1200" dirty="0" err="1">
                   <a:solidFill>
                     <a:schemeClr val="tx1"/>
                   </a:solidFill>
                 </a:rPr>
                 <a:t>getAllFilms</a:t>
               </a:r>
-              <a:endParaRPr lang="en-US" sz="1200" dirty="0" smtClean="0">
+              <a:endParaRPr lang="en-US" sz="1200" dirty="0">
                 <a:solidFill>
                   <a:schemeClr val="tx1"/>
                 </a:solidFill>
@@ -4787,14 +4860,14 @@
                 <a:buChar char="•"/>
               </a:pPr>
               <a:r>
-                <a:rPr lang="en-US" sz="1200" dirty="0" err="1" smtClean="0">
+                <a:rPr lang="en-US" sz="1200" dirty="0" err="1">
                   <a:solidFill>
                     <a:schemeClr val="tx1"/>
                   </a:solidFill>
                 </a:rPr>
                 <a:t>getStorage</a:t>
               </a:r>
-              <a:endParaRPr lang="en-US" sz="1200" dirty="0" smtClean="0">
+              <a:endParaRPr lang="en-US" sz="1200" dirty="0">
                 <a:solidFill>
                   <a:schemeClr val="tx1"/>
                 </a:solidFill>
@@ -4806,14 +4879,14 @@
                 <a:buChar char="•"/>
               </a:pPr>
               <a:r>
-                <a:rPr lang="en-US" sz="1200" dirty="0" err="1" smtClean="0">
+                <a:rPr lang="en-US" sz="1200" dirty="0" err="1">
                   <a:solidFill>
                     <a:schemeClr val="tx1"/>
                   </a:solidFill>
                 </a:rPr>
                 <a:t>getFilmById</a:t>
               </a:r>
-              <a:endParaRPr lang="en-US" sz="1200" dirty="0" smtClean="0">
+              <a:endParaRPr lang="en-US" sz="1200" dirty="0">
                 <a:solidFill>
                   <a:schemeClr val="tx1"/>
                 </a:solidFill>
@@ -4825,7 +4898,7 @@
                 <a:buChar char="•"/>
               </a:pPr>
               <a:r>
-                <a:rPr lang="en-US" sz="1200" dirty="0" err="1" smtClean="0">
+                <a:rPr lang="en-US" sz="1200" dirty="0" err="1">
                   <a:solidFill>
                     <a:schemeClr val="tx1"/>
                   </a:solidFill>
@@ -4849,7 +4922,7 @@
         </p:nvGrpSpPr>
         <p:grpSpPr>
           <a:xfrm>
-            <a:off x="9556955" y="3536609"/>
+            <a:off x="9556955" y="4996025"/>
             <a:ext cx="2212258" cy="1487402"/>
             <a:chOff x="5747227" y="872067"/>
             <a:chExt cx="1549400" cy="1487402"/>
@@ -4869,6 +4942,11 @@
             <a:prstGeom prst="rect">
               <a:avLst/>
             </a:prstGeom>
+            <a:solidFill>
+              <a:schemeClr val="bg1">
+                <a:lumMod val="50000"/>
+              </a:schemeClr>
+            </a:solidFill>
           </p:spPr>
           <p:style>
             <a:lnRef idx="2">
@@ -4892,11 +4970,11 @@
             <a:p>
               <a:pPr algn="ctr"/>
               <a:r>
-                <a:rPr lang="en-US" sz="1400" dirty="0" smtClean="0"/>
+                <a:rPr lang="en-US" sz="1400" dirty="0"/>
                 <a:t>interface </a:t>
               </a:r>
               <a:r>
-                <a:rPr lang="en-US" sz="1400" dirty="0" err="1" smtClean="0"/>
+                <a:rPr lang="en-US" sz="1400" dirty="0" err="1"/>
                 <a:t>FilmStorage</a:t>
               </a:r>
               <a:endParaRPr lang="ru-RU" sz="1400" dirty="0"/>
@@ -4941,14 +5019,14 @@
                 <a:buChar char="•"/>
               </a:pPr>
               <a:r>
-                <a:rPr lang="en-US" sz="1200" dirty="0" err="1" smtClean="0">
+                <a:rPr lang="en-US" sz="1200" dirty="0" err="1">
                   <a:solidFill>
                     <a:schemeClr val="tx1"/>
                   </a:solidFill>
                 </a:rPr>
                 <a:t>addFilm</a:t>
               </a:r>
-              <a:endParaRPr lang="en-US" sz="1200" dirty="0" smtClean="0">
+              <a:endParaRPr lang="en-US" sz="1200" dirty="0">
                 <a:solidFill>
                   <a:schemeClr val="tx1"/>
                 </a:solidFill>
@@ -4960,14 +5038,14 @@
                 <a:buChar char="•"/>
               </a:pPr>
               <a:r>
-                <a:rPr lang="en-US" sz="1200" dirty="0" err="1" smtClean="0">
+                <a:rPr lang="en-US" sz="1200" dirty="0" err="1">
                   <a:solidFill>
                     <a:schemeClr val="tx1"/>
                   </a:solidFill>
                 </a:rPr>
                 <a:t>updateFilm</a:t>
               </a:r>
-              <a:endParaRPr lang="en-US" sz="1200" dirty="0" smtClean="0">
+              <a:endParaRPr lang="en-US" sz="1200" dirty="0">
                 <a:solidFill>
                   <a:schemeClr val="tx1"/>
                 </a:solidFill>
@@ -4979,14 +5057,14 @@
                 <a:buChar char="•"/>
               </a:pPr>
               <a:r>
-                <a:rPr lang="en-US" sz="1200" dirty="0" err="1" smtClean="0">
+                <a:rPr lang="en-US" sz="1200" dirty="0" err="1">
                   <a:solidFill>
                     <a:schemeClr val="tx1"/>
                   </a:solidFill>
                 </a:rPr>
                 <a:t>getAllFilms</a:t>
               </a:r>
-              <a:endParaRPr lang="en-US" sz="1200" dirty="0" smtClean="0">
+              <a:endParaRPr lang="en-US" sz="1200" dirty="0">
                 <a:solidFill>
                   <a:schemeClr val="tx1"/>
                 </a:solidFill>
@@ -4998,14 +5076,14 @@
                 <a:buChar char="•"/>
               </a:pPr>
               <a:r>
-                <a:rPr lang="en-US" sz="1200" dirty="0" err="1" smtClean="0">
+                <a:rPr lang="en-US" sz="1200" dirty="0" err="1">
                   <a:solidFill>
                     <a:schemeClr val="tx1"/>
                   </a:solidFill>
                 </a:rPr>
                 <a:t>getStorage</a:t>
               </a:r>
-              <a:endParaRPr lang="en-US" sz="1200" dirty="0" smtClean="0">
+              <a:endParaRPr lang="en-US" sz="1200" dirty="0">
                 <a:solidFill>
                   <a:schemeClr val="tx1"/>
                 </a:solidFill>
@@ -5017,14 +5095,14 @@
                 <a:buChar char="•"/>
               </a:pPr>
               <a:r>
-                <a:rPr lang="en-US" sz="1200" dirty="0" err="1" smtClean="0">
+                <a:rPr lang="en-US" sz="1200" dirty="0" err="1">
                   <a:solidFill>
                     <a:schemeClr val="tx1"/>
                   </a:solidFill>
                 </a:rPr>
                 <a:t>getFilmById</a:t>
               </a:r>
-              <a:endParaRPr lang="en-US" sz="1200" dirty="0" smtClean="0">
+              <a:endParaRPr lang="en-US" sz="1200" dirty="0">
                 <a:solidFill>
                   <a:schemeClr val="tx1"/>
                 </a:solidFill>
@@ -5036,152 +5114,12 @@
                 <a:buChar char="•"/>
               </a:pPr>
               <a:r>
-                <a:rPr lang="en-US" sz="1200" dirty="0" err="1" smtClean="0">
+                <a:rPr lang="en-US" sz="1200" dirty="0" err="1">
                   <a:solidFill>
                     <a:schemeClr val="tx1"/>
                   </a:solidFill>
                 </a:rPr>
                 <a:t>setIdentified</a:t>
-              </a:r>
-              <a:endParaRPr lang="ru-RU" sz="1200" dirty="0">
-                <a:solidFill>
-                  <a:schemeClr val="tx1"/>
-                </a:solidFill>
-              </a:endParaRPr>
-            </a:p>
-          </p:txBody>
-        </p:sp>
-      </p:grpSp>
-      <p:grpSp>
-        <p:nvGrpSpPr>
-          <p:cNvPr id="50" name="Группа 49"/>
-          <p:cNvGrpSpPr/>
-          <p:nvPr/>
-        </p:nvGrpSpPr>
-        <p:grpSpPr>
-          <a:xfrm>
-            <a:off x="9556955" y="5611215"/>
-            <a:ext cx="2389238" cy="917404"/>
-            <a:chOff x="5747227" y="872067"/>
-            <a:chExt cx="1549400" cy="917404"/>
-          </a:xfrm>
-        </p:grpSpPr>
-        <p:sp>
-          <p:nvSpPr>
-            <p:cNvPr id="51" name="Прямоугольник 50"/>
-            <p:cNvSpPr/>
-            <p:nvPr/>
-          </p:nvSpPr>
-          <p:spPr>
-            <a:xfrm>
-              <a:off x="5747227" y="872067"/>
-              <a:ext cx="1549400" cy="330200"/>
-            </a:xfrm>
-            <a:prstGeom prst="rect">
-              <a:avLst/>
-            </a:prstGeom>
-          </p:spPr>
-          <p:style>
-            <a:lnRef idx="2">
-              <a:schemeClr val="accent3">
-                <a:shade val="50000"/>
-              </a:schemeClr>
-            </a:lnRef>
-            <a:fillRef idx="1">
-              <a:schemeClr val="accent3"/>
-            </a:fillRef>
-            <a:effectRef idx="0">
-              <a:schemeClr val="accent3"/>
-            </a:effectRef>
-            <a:fontRef idx="minor">
-              <a:schemeClr val="lt1"/>
-            </a:fontRef>
-          </p:style>
-          <p:txBody>
-            <a:bodyPr rtlCol="0" anchor="ctr"/>
-            <a:lstStyle/>
-            <a:p>
-              <a:pPr algn="ctr"/>
-              <a:r>
-                <a:rPr lang="en-US" sz="1400" dirty="0" smtClean="0"/>
-                <a:t>abstract </a:t>
-              </a:r>
-              <a:r>
-                <a:rPr lang="en-US" sz="1400" dirty="0" err="1" smtClean="0"/>
-                <a:t>InMemoryStorage</a:t>
-              </a:r>
-              <a:r>
-                <a:rPr lang="en-US" sz="1400" dirty="0" smtClean="0"/>
-                <a:t>&lt;T&gt;</a:t>
-              </a:r>
-              <a:endParaRPr lang="ru-RU" sz="1400" dirty="0"/>
-            </a:p>
-          </p:txBody>
-        </p:sp>
-        <p:sp>
-          <p:nvSpPr>
-            <p:cNvPr id="52" name="Прямоугольник 51"/>
-            <p:cNvSpPr/>
-            <p:nvPr/>
-          </p:nvSpPr>
-          <p:spPr>
-            <a:xfrm>
-              <a:off x="5747227" y="1202267"/>
-              <a:ext cx="1549400" cy="587204"/>
-            </a:xfrm>
-            <a:prstGeom prst="rect">
-              <a:avLst/>
-            </a:prstGeom>
-          </p:spPr>
-          <p:style>
-            <a:lnRef idx="2">
-              <a:schemeClr val="accent3"/>
-            </a:lnRef>
-            <a:fillRef idx="1">
-              <a:schemeClr val="lt1"/>
-            </a:fillRef>
-            <a:effectRef idx="0">
-              <a:schemeClr val="accent3"/>
-            </a:effectRef>
-            <a:fontRef idx="minor">
-              <a:schemeClr val="dk1"/>
-            </a:fontRef>
-          </p:style>
-          <p:txBody>
-            <a:bodyPr lIns="36000" rIns="36000" rtlCol="0" anchor="ctr"/>
-            <a:lstStyle/>
-            <a:p>
-              <a:r>
-                <a:rPr lang="en-US" sz="1200" dirty="0" smtClean="0">
-                  <a:solidFill>
-                    <a:schemeClr val="tx1"/>
-                  </a:solidFill>
-                </a:rPr>
-                <a:t>Long id</a:t>
-              </a:r>
-            </a:p>
-            <a:p>
-              <a:r>
-                <a:rPr lang="en-US" sz="1200" dirty="0" smtClean="0">
-                  <a:solidFill>
-                    <a:schemeClr val="tx1"/>
-                  </a:solidFill>
-                </a:rPr>
-                <a:t>Map&lt;Long, T&gt; storage</a:t>
-              </a:r>
-            </a:p>
-            <a:p>
-              <a:pPr marL="177800" indent="-177800">
-                <a:buFont typeface="Arial" panose="020B0604020202020204" pitchFamily="34" charset="0"/>
-                <a:buChar char="•"/>
-              </a:pPr>
-              <a:r>
-                <a:rPr lang="en-US" sz="1200" dirty="0" err="1" smtClean="0">
-                  <a:solidFill>
-                    <a:schemeClr val="tx1"/>
-                  </a:solidFill>
-                </a:rPr>
-                <a:t>getIdentified</a:t>
               </a:r>
               <a:endParaRPr lang="ru-RU" sz="1200" dirty="0">
                 <a:solidFill>
@@ -5196,57 +5134,23 @@
         <p:nvCxnSpPr>
           <p:cNvPr id="53" name="Соединительная линия уступом 52"/>
           <p:cNvCxnSpPr>
-            <a:stCxn id="48" idx="1"/>
-            <a:endCxn id="45" idx="3"/>
-          </p:cNvCxnSpPr>
-          <p:nvPr/>
-        </p:nvCxnSpPr>
-        <p:spPr>
-          <a:xfrm rot="10800000" flipV="1">
-            <a:off x="7649497" y="3701709"/>
-            <a:ext cx="1907458" cy="688258"/>
-          </a:xfrm>
-          <a:prstGeom prst="bentConnector3">
-            <a:avLst/>
-          </a:prstGeom>
-          <a:ln>
-            <a:tailEnd type="triangle"/>
-          </a:ln>
-        </p:spPr>
-        <p:style>
-          <a:lnRef idx="1">
-            <a:schemeClr val="dk1"/>
-          </a:lnRef>
-          <a:fillRef idx="0">
-            <a:schemeClr val="dk1"/>
-          </a:fillRef>
-          <a:effectRef idx="0">
-            <a:schemeClr val="dk1"/>
-          </a:effectRef>
-          <a:fontRef idx="minor">
-            <a:schemeClr val="tx1"/>
-          </a:fontRef>
-        </p:style>
-      </p:cxnSp>
-      <p:cxnSp>
-        <p:nvCxnSpPr>
-          <p:cNvPr id="54" name="Соединительная линия уступом 53"/>
-          <p:cNvCxnSpPr>
-            <a:stCxn id="51" idx="1"/>
-            <a:endCxn id="45" idx="3"/>
+            <a:cxnSpLocks/>
           </p:cNvCxnSpPr>
           <p:nvPr/>
         </p:nvCxnSpPr>
         <p:spPr>
           <a:xfrm rot="10800000">
-            <a:off x="7649497" y="4389967"/>
-            <a:ext cx="1907458" cy="1386348"/>
+            <a:off x="7649497" y="4424263"/>
+            <a:ext cx="1907458" cy="741067"/>
           </a:xfrm>
           <a:prstGeom prst="bentConnector3">
             <a:avLst/>
           </a:prstGeom>
-          <a:ln>
-            <a:tailEnd type="triangle"/>
+          <a:ln w="12700">
+            <a:solidFill>
+              <a:schemeClr val="bg1"/>
+            </a:solidFill>
+            <a:tailEnd type="stealth" w="lg" len="lg"/>
           </a:ln>
         </p:spPr>
         <p:style>
@@ -5268,21 +5172,23 @@
         <p:nvCxnSpPr>
           <p:cNvPr id="55" name="Прямая со стрелкой 54"/>
           <p:cNvCxnSpPr>
-            <a:stCxn id="45" idx="1"/>
-            <a:endCxn id="42" idx="3"/>
+            <a:cxnSpLocks/>
           </p:cNvCxnSpPr>
           <p:nvPr/>
         </p:nvCxnSpPr>
         <p:spPr>
           <a:xfrm flipH="1">
-            <a:off x="4809066" y="4389967"/>
+            <a:off x="4809066" y="4461407"/>
             <a:ext cx="938161" cy="0"/>
           </a:xfrm>
           <a:prstGeom prst="straightConnector1">
             <a:avLst/>
           </a:prstGeom>
-          <a:ln>
-            <a:tailEnd type="triangle"/>
+          <a:ln w="12700">
+            <a:solidFill>
+              <a:schemeClr val="bg1"/>
+            </a:solidFill>
+            <a:tailEnd type="stealth" w="lg" len="lg"/>
           </a:ln>
         </p:spPr>
         <p:style>
@@ -5317,8 +5223,11 @@
           <a:prstGeom prst="straightConnector1">
             <a:avLst/>
           </a:prstGeom>
-          <a:ln>
-            <a:tailEnd type="triangle"/>
+          <a:ln w="12700">
+            <a:solidFill>
+              <a:schemeClr val="bg1"/>
+            </a:solidFill>
+            <a:tailEnd type="stealth" w="lg" len="lg"/>
           </a:ln>
         </p:spPr>
         <p:style>
@@ -5359,20 +5268,16 @@
           <a:lstStyle/>
           <a:p>
             <a:r>
-              <a:rPr lang="en-US" sz="1200" dirty="0" smtClean="0">
-                <a:solidFill>
-                  <a:schemeClr val="accent2">
-                    <a:lumMod val="75000"/>
-                  </a:schemeClr>
+              <a:rPr lang="en-US" sz="1200" dirty="0">
+                <a:solidFill>
+                  <a:schemeClr val="accent2"/>
                 </a:solidFill>
               </a:rPr>
               <a:t>@Component</a:t>
             </a:r>
             <a:endParaRPr lang="ru-RU" sz="1200" dirty="0">
               <a:solidFill>
-                <a:schemeClr val="accent2">
-                  <a:lumMod val="75000"/>
-                </a:schemeClr>
+                <a:schemeClr val="accent2"/>
               </a:solidFill>
             </a:endParaRPr>
           </a:p>
@@ -5401,20 +5306,16 @@
           <a:lstStyle/>
           <a:p>
             <a:r>
-              <a:rPr lang="en-US" sz="1200" dirty="0" smtClean="0">
-                <a:solidFill>
-                  <a:schemeClr val="accent2">
-                    <a:lumMod val="75000"/>
-                  </a:schemeClr>
+              <a:rPr lang="en-US" sz="1200" dirty="0">
+                <a:solidFill>
+                  <a:schemeClr val="accent2"/>
                 </a:solidFill>
               </a:rPr>
               <a:t>@Service</a:t>
             </a:r>
             <a:endParaRPr lang="ru-RU" sz="1200" dirty="0">
               <a:solidFill>
-                <a:schemeClr val="accent2">
-                  <a:lumMod val="75000"/>
-                </a:schemeClr>
+                <a:schemeClr val="accent2"/>
               </a:solidFill>
             </a:endParaRPr>
           </a:p>
@@ -5443,35 +5344,119 @@
           <a:lstStyle/>
           <a:p>
             <a:r>
-              <a:rPr lang="en-US" sz="1200" dirty="0" smtClean="0">
-                <a:solidFill>
-                  <a:schemeClr val="accent2">
-                    <a:lumMod val="75000"/>
-                  </a:schemeClr>
+              <a:rPr lang="en-US" sz="1200" dirty="0">
+                <a:solidFill>
+                  <a:schemeClr val="accent2"/>
                 </a:solidFill>
               </a:rPr>
               <a:t>@</a:t>
             </a:r>
             <a:r>
-              <a:rPr lang="en-US" sz="1200" dirty="0" err="1" smtClean="0">
-                <a:solidFill>
-                  <a:schemeClr val="accent2">
-                    <a:lumMod val="75000"/>
-                  </a:schemeClr>
+              <a:rPr lang="en-US" sz="1200" dirty="0" err="1">
+                <a:solidFill>
+                  <a:schemeClr val="accent2"/>
                 </a:solidFill>
               </a:rPr>
               <a:t>RestController</a:t>
             </a:r>
             <a:endParaRPr lang="ru-RU" sz="1200" dirty="0">
               <a:solidFill>
-                <a:schemeClr val="accent2">
-                  <a:lumMod val="75000"/>
-                </a:schemeClr>
+                <a:schemeClr val="accent2"/>
               </a:solidFill>
             </a:endParaRPr>
           </a:p>
         </p:txBody>
       </p:sp>
+      <p:cxnSp>
+        <p:nvCxnSpPr>
+          <p:cNvPr id="3" name="Соединитель: уступ 2">
+            <a:extLst>
+              <a:ext uri="{FF2B5EF4-FFF2-40B4-BE49-F238E27FC236}">
+                <a16:creationId xmlns:a16="http://schemas.microsoft.com/office/drawing/2014/main" id="{8B00B4FC-C69B-AC90-4EDB-0742DB606D20}"/>
+              </a:ext>
+            </a:extLst>
+          </p:cNvPr>
+          <p:cNvCxnSpPr>
+            <a:cxnSpLocks/>
+          </p:cNvCxnSpPr>
+          <p:nvPr/>
+        </p:nvCxnSpPr>
+        <p:spPr>
+          <a:xfrm rot="10800000" flipV="1">
+            <a:off x="4809067" y="1111387"/>
+            <a:ext cx="938161" cy="3190074"/>
+          </a:xfrm>
+          <a:prstGeom prst="bentConnector3">
+            <a:avLst/>
+          </a:prstGeom>
+          <a:ln w="12700">
+            <a:solidFill>
+              <a:schemeClr val="bg1"/>
+            </a:solidFill>
+            <a:tailEnd type="stealth" w="lg" len="lg"/>
+          </a:ln>
+        </p:spPr>
+        <p:style>
+          <a:lnRef idx="1">
+            <a:schemeClr val="dk1"/>
+          </a:lnRef>
+          <a:fillRef idx="0">
+            <a:schemeClr val="dk1"/>
+          </a:fillRef>
+          <a:effectRef idx="0">
+            <a:schemeClr val="dk1"/>
+          </a:effectRef>
+          <a:fontRef idx="minor">
+            <a:schemeClr val="tx1"/>
+          </a:fontRef>
+        </p:style>
+      </p:cxnSp>
+      <p:cxnSp>
+        <p:nvCxnSpPr>
+          <p:cNvPr id="4" name="Соединительная линия уступом 52">
+            <a:extLst>
+              <a:ext uri="{FF2B5EF4-FFF2-40B4-BE49-F238E27FC236}">
+                <a16:creationId xmlns:a16="http://schemas.microsoft.com/office/drawing/2014/main" id="{670483CD-634B-BC37-AD41-6AB2D3D0CB8C}"/>
+              </a:ext>
+            </a:extLst>
+          </p:cNvPr>
+          <p:cNvCxnSpPr>
+            <a:cxnSpLocks/>
+          </p:cNvCxnSpPr>
+          <p:nvPr/>
+        </p:nvCxnSpPr>
+        <p:spPr>
+          <a:xfrm rot="10800000" flipV="1">
+            <a:off x="7649498" y="2904836"/>
+            <a:ext cx="1907457" cy="1385162"/>
+          </a:xfrm>
+          <a:prstGeom prst="bentConnector3">
+            <a:avLst>
+              <a:gd name="adj1" fmla="val 50000"/>
+            </a:avLst>
+          </a:prstGeom>
+          <a:ln w="12700">
+            <a:solidFill>
+              <a:schemeClr val="bg1"/>
+            </a:solidFill>
+            <a:tailEnd type="stealth" w="lg" len="lg"/>
+          </a:ln>
+        </p:spPr>
+        <p:style>
+          <a:lnRef idx="1">
+            <a:schemeClr val="dk1"/>
+          </a:lnRef>
+          <a:fillRef idx="0">
+            <a:schemeClr val="dk1"/>
+          </a:fillRef>
+          <a:effectRef idx="0">
+            <a:schemeClr val="dk1"/>
+          </a:effectRef>
+          <a:fontRef idx="minor">
+            <a:schemeClr val="tx1"/>
+          </a:fontRef>
+        </p:style>
+      </p:cxnSp>
     </p:spTree>
     <p:extLst>
       <p:ext uri="{BB962C8B-B14F-4D97-AF65-F5344CB8AC3E}">
